--- a/Vue/Vue3.2-released/vue3.2详细教程.pptx
+++ b/Vue/Vue3.2-released/vue3.2详细教程.pptx
@@ -6635,26 +6635,13 @@
               <a:t> </a:t>
             </a:r>
             <a:r>
-              <a:rPr lang="en-US" altLang="zh-CN" b="1">
-                <a:solidFill>
-                  <a:schemeClr val="bg1"/>
-                </a:solidFill>
-              </a:rPr>
-              <a:t>components——</a:t>
-            </a:r>
-            <a:r>
-              <a:rPr lang="zh-CN" altLang="en-US" b="1" dirty="0">
-                <a:solidFill>
-                  <a:schemeClr val="bg1"/>
-                </a:solidFill>
-              </a:rPr>
-              <a:t>两种使用方法</a:t>
-            </a:r>
-            <a:endParaRPr lang="en-US" altLang="zh-CN" b="1" dirty="0">
-              <a:solidFill>
-                <a:schemeClr val="bg1"/>
-              </a:solidFill>
-            </a:endParaRPr>
+              <a:rPr lang="en-US" altLang="zh-CN" b="1" dirty="0">
+                <a:solidFill>
+                  <a:schemeClr val="bg1"/>
+                </a:solidFill>
+              </a:rPr>
+              <a:t>components</a:t>
+            </a:r>
           </a:p>
           <a:p>
             <a:pPr algn="l"/>
@@ -7530,6 +7517,110 @@
           <a:p>
             <a:pPr algn="l"/>
             <a:r>
+              <a:rPr lang="en-US" altLang="zh-CN" b="1" dirty="0">
+                <a:solidFill>
+                  <a:schemeClr val="bg1"/>
+                </a:solidFill>
+              </a:rPr>
+              <a:t>Vue3</a:t>
+            </a:r>
+            <a:r>
+              <a:rPr lang="zh-CN" altLang="en-US" b="1" dirty="0">
+                <a:solidFill>
+                  <a:schemeClr val="bg1"/>
+                </a:solidFill>
+              </a:rPr>
+              <a:t> </a:t>
+            </a:r>
+            <a:r>
+              <a:rPr lang="en-US" altLang="zh-CN" b="1" dirty="0">
+                <a:solidFill>
+                  <a:schemeClr val="bg1"/>
+                </a:solidFill>
+              </a:rPr>
+              <a:t>+</a:t>
+            </a:r>
+            <a:r>
+              <a:rPr lang="zh-CN" altLang="en-US" b="1" dirty="0">
+                <a:solidFill>
+                  <a:schemeClr val="bg1"/>
+                </a:solidFill>
+              </a:rPr>
+              <a:t> </a:t>
+            </a:r>
+            <a:r>
+              <a:rPr lang="en-US" altLang="zh-CN" b="1" dirty="0">
+                <a:solidFill>
+                  <a:schemeClr val="bg1"/>
+                </a:solidFill>
+              </a:rPr>
+              <a:t>TS</a:t>
+            </a:r>
+            <a:r>
+              <a:rPr lang="zh-CN" altLang="en-US" b="1" dirty="0">
+                <a:solidFill>
+                  <a:schemeClr val="bg1"/>
+                </a:solidFill>
+              </a:rPr>
+              <a:t> </a:t>
+            </a:r>
+            <a:r>
+              <a:rPr lang="en-US" altLang="zh-CN" b="1" dirty="0">
+                <a:solidFill>
+                  <a:schemeClr val="bg1"/>
+                </a:solidFill>
+              </a:rPr>
+              <a:t>+</a:t>
+            </a:r>
+            <a:r>
+              <a:rPr lang="zh-CN" altLang="en-US" b="1" dirty="0">
+                <a:solidFill>
+                  <a:schemeClr val="bg1"/>
+                </a:solidFill>
+              </a:rPr>
+              <a:t> </a:t>
+            </a:r>
+            <a:r>
+              <a:rPr lang="en-US" altLang="zh-CN" b="1" dirty="0">
+                <a:solidFill>
+                  <a:schemeClr val="bg1"/>
+                </a:solidFill>
+              </a:rPr>
+              <a:t>Volar</a:t>
+            </a:r>
+            <a:r>
+              <a:rPr lang="zh-CN" altLang="en-US" b="1" dirty="0">
+                <a:solidFill>
+                  <a:schemeClr val="bg1"/>
+                </a:solidFill>
+              </a:rPr>
+              <a:t> </a:t>
+            </a:r>
+            <a:r>
+              <a:rPr lang="en-US" altLang="zh-CN" b="1" dirty="0">
+                <a:solidFill>
+                  <a:schemeClr val="bg1"/>
+                </a:solidFill>
+              </a:rPr>
+              <a:t>=</a:t>
+            </a:r>
+            <a:r>
+              <a:rPr lang="zh-CN" altLang="en-US" b="1" dirty="0">
+                <a:solidFill>
+                  <a:schemeClr val="bg1"/>
+                </a:solidFill>
+              </a:rPr>
+              <a:t> 真香</a:t>
+            </a:r>
+            <a:endParaRPr lang="en-US" altLang="zh-CN" b="1" dirty="0">
+              <a:solidFill>
+                <a:schemeClr val="bg1"/>
+              </a:solidFill>
+            </a:endParaRPr>
+          </a:p>
+          <a:p>
+            <a:pPr algn="l"/>
+            <a:r>
               <a:rPr lang="zh-CN" altLang="en-US" b="1" dirty="0">
                 <a:solidFill>
                   <a:schemeClr val="bg1"/>
@@ -7990,6 +8081,53 @@
           </a:p>
         </p:txBody>
       </p:sp>
+      <p:pic>
+        <p:nvPicPr>
+          <p:cNvPr id="9" name="Picture 4">
+            <a:extLst>
+              <a:ext uri="{FF2B5EF4-FFF2-40B4-BE49-F238E27FC236}">
+                <a16:creationId xmlns:a16="http://schemas.microsoft.com/office/drawing/2014/main" id="{BAE96894-4610-6746-A005-BB97B73EECBC}"/>
+              </a:ext>
+            </a:extLst>
+          </p:cNvPr>
+          <p:cNvPicPr>
+            <a:picLocks noChangeAspect="1" noChangeArrowheads="1"/>
+          </p:cNvPicPr>
+          <p:nvPr/>
+        </p:nvPicPr>
+        <p:blipFill>
+          <a:blip r:embed="rId3">
+            <a:extLst>
+              <a:ext uri="{28A0092B-C50C-407E-A947-70E740481C1C}">
+                <a14:useLocalDpi xmlns:a14="http://schemas.microsoft.com/office/drawing/2010/main" val="0"/>
+              </a:ext>
+            </a:extLst>
+          </a:blip>
+          <a:srcRect/>
+          <a:stretch>
+            <a:fillRect/>
+          </a:stretch>
+        </p:blipFill>
+        <p:spPr bwMode="auto">
+          <a:xfrm>
+            <a:off x="5013283" y="1652301"/>
+            <a:ext cx="4858488" cy="3236495"/>
+          </a:xfrm>
+          <a:prstGeom prst="rect">
+            <a:avLst/>
+          </a:prstGeom>
+          <a:noFill/>
+          <a:extLst>
+            <a:ext uri="{909E8E84-426E-40DD-AFC4-6F175D3DCCD1}">
+              <a14:hiddenFill xmlns:a14="http://schemas.microsoft.com/office/drawing/2010/main">
+                <a:solidFill>
+                  <a:srgbClr val="FFFFFF"/>
+                </a:solidFill>
+              </a14:hiddenFill>
+            </a:ext>
+          </a:extLst>
+        </p:spPr>
+      </p:pic>
     </p:spTree>
     <p:extLst>
       <p:ext uri="{BB962C8B-B14F-4D97-AF65-F5344CB8AC3E}">
